--- a/NHANES Demographics.pptx
+++ b/NHANES Demographics.pptx
@@ -107,6 +107,11 @@
       </a:defRPr>
     </a:lvl9pPr>
   </p:defaultTextStyle>
+  <p:extLst>
+    <p:ext uri="{EFAFB233-063F-42B5-8137-9DF3F51BA10A}">
+      <p15:sldGuideLst xmlns:p15="http://schemas.microsoft.com/office/powerpoint/2012/main"/>
+    </p:ext>
+  </p:extLst>
 </p:presentation>
 </file>
 
@@ -241,7 +246,7 @@
           <a:p>
             <a:fld id="{0ED90BC1-CA26-4391-A8B8-EDE79DF83513}" type="datetimeFigureOut">
               <a:rPr lang="en-US" smtClean="0"/>
-              <a:t>4/3/2018</a:t>
+              <a:t>4/4/2018</a:t>
             </a:fld>
             <a:endParaRPr lang="en-US"/>
           </a:p>
@@ -411,7 +416,7 @@
           <a:p>
             <a:fld id="{0ED90BC1-CA26-4391-A8B8-EDE79DF83513}" type="datetimeFigureOut">
               <a:rPr lang="en-US" smtClean="0"/>
-              <a:t>4/3/2018</a:t>
+              <a:t>4/4/2018</a:t>
             </a:fld>
             <a:endParaRPr lang="en-US"/>
           </a:p>
@@ -591,7 +596,7 @@
           <a:p>
             <a:fld id="{0ED90BC1-CA26-4391-A8B8-EDE79DF83513}" type="datetimeFigureOut">
               <a:rPr lang="en-US" smtClean="0"/>
-              <a:t>4/3/2018</a:t>
+              <a:t>4/4/2018</a:t>
             </a:fld>
             <a:endParaRPr lang="en-US"/>
           </a:p>
@@ -761,7 +766,7 @@
           <a:p>
             <a:fld id="{0ED90BC1-CA26-4391-A8B8-EDE79DF83513}" type="datetimeFigureOut">
               <a:rPr lang="en-US" smtClean="0"/>
-              <a:t>4/3/2018</a:t>
+              <a:t>4/4/2018</a:t>
             </a:fld>
             <a:endParaRPr lang="en-US"/>
           </a:p>
@@ -1007,7 +1012,7 @@
           <a:p>
             <a:fld id="{0ED90BC1-CA26-4391-A8B8-EDE79DF83513}" type="datetimeFigureOut">
               <a:rPr lang="en-US" smtClean="0"/>
-              <a:t>4/3/2018</a:t>
+              <a:t>4/4/2018</a:t>
             </a:fld>
             <a:endParaRPr lang="en-US"/>
           </a:p>
@@ -1239,7 +1244,7 @@
           <a:p>
             <a:fld id="{0ED90BC1-CA26-4391-A8B8-EDE79DF83513}" type="datetimeFigureOut">
               <a:rPr lang="en-US" smtClean="0"/>
-              <a:t>4/3/2018</a:t>
+              <a:t>4/4/2018</a:t>
             </a:fld>
             <a:endParaRPr lang="en-US"/>
           </a:p>
@@ -1606,7 +1611,7 @@
           <a:p>
             <a:fld id="{0ED90BC1-CA26-4391-A8B8-EDE79DF83513}" type="datetimeFigureOut">
               <a:rPr lang="en-US" smtClean="0"/>
-              <a:t>4/3/2018</a:t>
+              <a:t>4/4/2018</a:t>
             </a:fld>
             <a:endParaRPr lang="en-US"/>
           </a:p>
@@ -1724,7 +1729,7 @@
           <a:p>
             <a:fld id="{0ED90BC1-CA26-4391-A8B8-EDE79DF83513}" type="datetimeFigureOut">
               <a:rPr lang="en-US" smtClean="0"/>
-              <a:t>4/3/2018</a:t>
+              <a:t>4/4/2018</a:t>
             </a:fld>
             <a:endParaRPr lang="en-US"/>
           </a:p>
@@ -1819,7 +1824,7 @@
           <a:p>
             <a:fld id="{0ED90BC1-CA26-4391-A8B8-EDE79DF83513}" type="datetimeFigureOut">
               <a:rPr lang="en-US" smtClean="0"/>
-              <a:t>4/3/2018</a:t>
+              <a:t>4/4/2018</a:t>
             </a:fld>
             <a:endParaRPr lang="en-US"/>
           </a:p>
@@ -2096,7 +2101,7 @@
           <a:p>
             <a:fld id="{0ED90BC1-CA26-4391-A8B8-EDE79DF83513}" type="datetimeFigureOut">
               <a:rPr lang="en-US" smtClean="0"/>
-              <a:t>4/3/2018</a:t>
+              <a:t>4/4/2018</a:t>
             </a:fld>
             <a:endParaRPr lang="en-US"/>
           </a:p>
@@ -2349,7 +2354,7 @@
           <a:p>
             <a:fld id="{0ED90BC1-CA26-4391-A8B8-EDE79DF83513}" type="datetimeFigureOut">
               <a:rPr lang="en-US" smtClean="0"/>
-              <a:t>4/3/2018</a:t>
+              <a:t>4/4/2018</a:t>
             </a:fld>
             <a:endParaRPr lang="en-US"/>
           </a:p>
@@ -2562,7 +2567,7 @@
           <a:p>
             <a:fld id="{0ED90BC1-CA26-4391-A8B8-EDE79DF83513}" type="datetimeFigureOut">
               <a:rPr lang="en-US" smtClean="0"/>
-              <a:t>4/3/2018</a:t>
+              <a:t>4/4/2018</a:t>
             </a:fld>
             <a:endParaRPr lang="en-US"/>
           </a:p>
@@ -3504,9 +3509,32 @@
           <a:chExt cx="0" cy="0"/>
         </a:xfrm>
       </p:grpSpPr>
-      <p:sp>
-        <p:nvSpPr>
-          <p:cNvPr id="4" name="Title 1"/>
+      <p:pic>
+        <p:nvPicPr>
+          <p:cNvPr id="2" name="Picture 1"/>
+          <p:cNvPicPr>
+            <a:picLocks noChangeAspect="1"/>
+          </p:cNvPicPr>
+          <p:nvPr/>
+        </p:nvPicPr>
+        <p:blipFill rotWithShape="1">
+          <a:blip r:embed="rId2"/>
+          <a:srcRect l="37778" t="3190" r="36069" b="2451"/>
+          <a:stretch/>
+        </p:blipFill>
+        <p:spPr>
+          <a:xfrm>
+            <a:off x="5760749" y="1115249"/>
+            <a:ext cx="2062820" cy="5581748"/>
+          </a:xfrm>
+          <a:prstGeom prst="rect">
+            <a:avLst/>
+          </a:prstGeom>
+        </p:spPr>
+      </p:pic>
+      <p:sp>
+        <p:nvSpPr>
+          <p:cNvPr id="6" name="Title 1"/>
           <p:cNvSpPr txBox="1">
             <a:spLocks/>
           </p:cNvSpPr>
@@ -3514,7 +3542,7 @@
         </p:nvSpPr>
         <p:spPr>
           <a:xfrm>
-            <a:off x="1572883" y="86264"/>
+            <a:off x="848853" y="0"/>
             <a:ext cx="9144000" cy="956603"/>
           </a:xfrm>
           <a:prstGeom prst="rect">
@@ -3547,7 +3575,7 @@
           <a:p>
             <a:r>
               <a:rPr lang="en-US" dirty="0" smtClean="0"/>
-              <a:t>NHANES Demographics</a:t>
+              <a:t>NHANES: Self-report hearing</a:t>
             </a:r>
             <a:endParaRPr lang="en-US" dirty="0"/>
           </a:p>
@@ -3555,14 +3583,14 @@
       </p:sp>
       <p:sp>
         <p:nvSpPr>
-          <p:cNvPr id="5" name="TextBox 4"/>
+          <p:cNvPr id="3" name="TextBox 2"/>
           <p:cNvSpPr txBox="1"/>
           <p:nvPr/>
         </p:nvSpPr>
         <p:spPr>
           <a:xfrm>
-            <a:off x="4501003" y="974785"/>
-            <a:ext cx="3287760" cy="369332"/>
+            <a:off x="312615" y="1320800"/>
+            <a:ext cx="2851806" cy="2585323"/>
           </a:xfrm>
           <a:prstGeom prst="rect">
             <a:avLst/>
@@ -3577,7 +3605,139 @@
           <a:p>
             <a:r>
               <a:rPr lang="en-US" dirty="0" smtClean="0"/>
-              <a:t>Audiology testing between 20-69</a:t>
+              <a:t>AUQ054</a:t>
+            </a:r>
+          </a:p>
+          <a:p>
+            <a:r>
+              <a:rPr lang="en-US" dirty="0" smtClean="0"/>
+              <a:t>1=Excellent</a:t>
+            </a:r>
+          </a:p>
+          <a:p>
+            <a:r>
+              <a:rPr lang="en-US" dirty="0" smtClean="0"/>
+              <a:t>2=Good</a:t>
+            </a:r>
+          </a:p>
+          <a:p>
+            <a:r>
+              <a:rPr lang="en-US" dirty="0" smtClean="0"/>
+              <a:t>3=A little trouble</a:t>
+            </a:r>
+          </a:p>
+          <a:p>
+            <a:r>
+              <a:rPr lang="en-US" dirty="0" smtClean="0"/>
+              <a:t>4=Moderate hearing trouble</a:t>
+            </a:r>
+          </a:p>
+          <a:p>
+            <a:r>
+              <a:rPr lang="en-US" dirty="0" smtClean="0"/>
+              <a:t>5=A lot of trouble</a:t>
+            </a:r>
+          </a:p>
+          <a:p>
+            <a:r>
+              <a:rPr lang="en-US" dirty="0" smtClean="0"/>
+              <a:t>6=Deaf</a:t>
+            </a:r>
+          </a:p>
+          <a:p>
+            <a:r>
+              <a:rPr lang="en-US" dirty="0" smtClean="0"/>
+              <a:t>77=refused</a:t>
+            </a:r>
+          </a:p>
+          <a:p>
+            <a:r>
+              <a:rPr lang="en-US" dirty="0" smtClean="0"/>
+              <a:t>99=Don’t know</a:t>
+            </a:r>
+            <a:endParaRPr lang="en-US" dirty="0"/>
+          </a:p>
+        </p:txBody>
+      </p:sp>
+      <p:sp>
+        <p:nvSpPr>
+          <p:cNvPr id="7" name="TextBox 6"/>
+          <p:cNvSpPr txBox="1"/>
+          <p:nvPr/>
+        </p:nvSpPr>
+        <p:spPr>
+          <a:xfrm>
+            <a:off x="3164421" y="1320800"/>
+            <a:ext cx="1298164" cy="923330"/>
+          </a:xfrm>
+          <a:prstGeom prst="rect">
+            <a:avLst/>
+          </a:prstGeom>
+          <a:noFill/>
+        </p:spPr>
+        <p:txBody>
+          <a:bodyPr wrap="square" rtlCol="0">
+            <a:spAutoFit/>
+          </a:bodyPr>
+          <a:lstStyle/>
+          <a:p>
+            <a:r>
+              <a:rPr lang="en-US" dirty="0" smtClean="0"/>
+              <a:t>Gender</a:t>
+            </a:r>
+          </a:p>
+          <a:p>
+            <a:r>
+              <a:rPr lang="en-US" dirty="0" smtClean="0"/>
+              <a:t>1=male</a:t>
+            </a:r>
+          </a:p>
+          <a:p>
+            <a:r>
+              <a:rPr lang="en-US" dirty="0" smtClean="0"/>
+              <a:t>2=female</a:t>
+            </a:r>
+            <a:endParaRPr lang="en-US" dirty="0"/>
+          </a:p>
+        </p:txBody>
+      </p:sp>
+      <p:sp>
+        <p:nvSpPr>
+          <p:cNvPr id="8" name="TextBox 7"/>
+          <p:cNvSpPr txBox="1"/>
+          <p:nvPr/>
+        </p:nvSpPr>
+        <p:spPr>
+          <a:xfrm>
+            <a:off x="4462585" y="1320800"/>
+            <a:ext cx="819455" cy="923330"/>
+          </a:xfrm>
+          <a:prstGeom prst="rect">
+            <a:avLst/>
+          </a:prstGeom>
+          <a:noFill/>
+        </p:spPr>
+        <p:txBody>
+          <a:bodyPr wrap="none" rtlCol="0">
+            <a:spAutoFit/>
+          </a:bodyPr>
+          <a:lstStyle/>
+          <a:p>
+            <a:r>
+              <a:rPr lang="en-US" dirty="0" smtClean="0"/>
+              <a:t>Age</a:t>
+            </a:r>
+          </a:p>
+          <a:p>
+            <a:r>
+              <a:rPr lang="en-US" dirty="0" smtClean="0"/>
+              <a:t>1= &lt;65</a:t>
+            </a:r>
+          </a:p>
+          <a:p>
+            <a:r>
+              <a:rPr lang="en-US" dirty="0" smtClean="0"/>
+              <a:t>2= 65+</a:t>
             </a:r>
             <a:endParaRPr lang="en-US" dirty="0"/>
           </a:p>

--- a/NHANES Demographics.pptx
+++ b/NHANES Demographics.pptx
@@ -9,6 +9,11 @@
     <p:sldId id="257" r:id="rId3"/>
     <p:sldId id="259" r:id="rId4"/>
     <p:sldId id="258" r:id="rId5"/>
+    <p:sldId id="260" r:id="rId6"/>
+    <p:sldId id="262" r:id="rId7"/>
+    <p:sldId id="261" r:id="rId8"/>
+    <p:sldId id="263" r:id="rId9"/>
+    <p:sldId id="264" r:id="rId10"/>
   </p:sldIdLst>
   <p:sldSz cx="12192000" cy="6858000"/>
   <p:notesSz cx="6858000" cy="9144000"/>
@@ -246,7 +251,7 @@
           <a:p>
             <a:fld id="{0ED90BC1-CA26-4391-A8B8-EDE79DF83513}" type="datetimeFigureOut">
               <a:rPr lang="en-US" smtClean="0"/>
-              <a:t>4/4/2018</a:t>
+              <a:t>5/10/2018</a:t>
             </a:fld>
             <a:endParaRPr lang="en-US"/>
           </a:p>
@@ -416,7 +421,7 @@
           <a:p>
             <a:fld id="{0ED90BC1-CA26-4391-A8B8-EDE79DF83513}" type="datetimeFigureOut">
               <a:rPr lang="en-US" smtClean="0"/>
-              <a:t>4/4/2018</a:t>
+              <a:t>5/10/2018</a:t>
             </a:fld>
             <a:endParaRPr lang="en-US"/>
           </a:p>
@@ -596,7 +601,7 @@
           <a:p>
             <a:fld id="{0ED90BC1-CA26-4391-A8B8-EDE79DF83513}" type="datetimeFigureOut">
               <a:rPr lang="en-US" smtClean="0"/>
-              <a:t>4/4/2018</a:t>
+              <a:t>5/10/2018</a:t>
             </a:fld>
             <a:endParaRPr lang="en-US"/>
           </a:p>
@@ -766,7 +771,7 @@
           <a:p>
             <a:fld id="{0ED90BC1-CA26-4391-A8B8-EDE79DF83513}" type="datetimeFigureOut">
               <a:rPr lang="en-US" smtClean="0"/>
-              <a:t>4/4/2018</a:t>
+              <a:t>5/10/2018</a:t>
             </a:fld>
             <a:endParaRPr lang="en-US"/>
           </a:p>
@@ -1012,7 +1017,7 @@
           <a:p>
             <a:fld id="{0ED90BC1-CA26-4391-A8B8-EDE79DF83513}" type="datetimeFigureOut">
               <a:rPr lang="en-US" smtClean="0"/>
-              <a:t>4/4/2018</a:t>
+              <a:t>5/10/2018</a:t>
             </a:fld>
             <a:endParaRPr lang="en-US"/>
           </a:p>
@@ -1244,7 +1249,7 @@
           <a:p>
             <a:fld id="{0ED90BC1-CA26-4391-A8B8-EDE79DF83513}" type="datetimeFigureOut">
               <a:rPr lang="en-US" smtClean="0"/>
-              <a:t>4/4/2018</a:t>
+              <a:t>5/10/2018</a:t>
             </a:fld>
             <a:endParaRPr lang="en-US"/>
           </a:p>
@@ -1611,7 +1616,7 @@
           <a:p>
             <a:fld id="{0ED90BC1-CA26-4391-A8B8-EDE79DF83513}" type="datetimeFigureOut">
               <a:rPr lang="en-US" smtClean="0"/>
-              <a:t>4/4/2018</a:t>
+              <a:t>5/10/2018</a:t>
             </a:fld>
             <a:endParaRPr lang="en-US"/>
           </a:p>
@@ -1729,7 +1734,7 @@
           <a:p>
             <a:fld id="{0ED90BC1-CA26-4391-A8B8-EDE79DF83513}" type="datetimeFigureOut">
               <a:rPr lang="en-US" smtClean="0"/>
-              <a:t>4/4/2018</a:t>
+              <a:t>5/10/2018</a:t>
             </a:fld>
             <a:endParaRPr lang="en-US"/>
           </a:p>
@@ -1824,7 +1829,7 @@
           <a:p>
             <a:fld id="{0ED90BC1-CA26-4391-A8B8-EDE79DF83513}" type="datetimeFigureOut">
               <a:rPr lang="en-US" smtClean="0"/>
-              <a:t>4/4/2018</a:t>
+              <a:t>5/10/2018</a:t>
             </a:fld>
             <a:endParaRPr lang="en-US"/>
           </a:p>
@@ -2101,7 +2106,7 @@
           <a:p>
             <a:fld id="{0ED90BC1-CA26-4391-A8B8-EDE79DF83513}" type="datetimeFigureOut">
               <a:rPr lang="en-US" smtClean="0"/>
-              <a:t>4/4/2018</a:t>
+              <a:t>5/10/2018</a:t>
             </a:fld>
             <a:endParaRPr lang="en-US"/>
           </a:p>
@@ -2354,7 +2359,7 @@
           <a:p>
             <a:fld id="{0ED90BC1-CA26-4391-A8B8-EDE79DF83513}" type="datetimeFigureOut">
               <a:rPr lang="en-US" smtClean="0"/>
-              <a:t>4/4/2018</a:t>
+              <a:t>5/10/2018</a:t>
             </a:fld>
             <a:endParaRPr lang="en-US"/>
           </a:p>
@@ -2567,7 +2572,7 @@
           <a:p>
             <a:fld id="{0ED90BC1-CA26-4391-A8B8-EDE79DF83513}" type="datetimeFigureOut">
               <a:rPr lang="en-US" smtClean="0"/>
-              <a:t>4/4/2018</a:t>
+              <a:t>5/10/2018</a:t>
             </a:fld>
             <a:endParaRPr lang="en-US"/>
           </a:p>
@@ -3489,6 +3494,13 @@
   <p:clrMapOvr>
     <a:masterClrMapping/>
   </p:clrMapOvr>
+  <p:timing>
+    <p:tnLst>
+      <p:par>
+        <p:cTn id="1" dur="indefinite" restart="never" nodeType="tmRoot"/>
+      </p:par>
+    </p:tnLst>
+  </p:timing>
 </p:sld>
 </file>
 
@@ -3753,6 +3765,903 @@
   <p:clrMapOvr>
     <a:masterClrMapping/>
   </p:clrMapOvr>
+  <p:timing>
+    <p:tnLst>
+      <p:par>
+        <p:cTn id="1" dur="indefinite" restart="never" nodeType="tmRoot"/>
+      </p:par>
+    </p:tnLst>
+  </p:timing>
+</p:sld>
+</file>
+
+<file path=ppt/slides/slide5.xml><?xml version="1.0" encoding="utf-8"?>
+<p:sld xmlns:a="http://schemas.openxmlformats.org/drawingml/2006/main" xmlns:r="http://schemas.openxmlformats.org/officeDocument/2006/relationships" xmlns:p="http://schemas.openxmlformats.org/presentationml/2006/main">
+  <p:cSld>
+    <p:spTree>
+      <p:nvGrpSpPr>
+        <p:cNvPr id="1" name=""/>
+        <p:cNvGrpSpPr/>
+        <p:nvPr/>
+      </p:nvGrpSpPr>
+      <p:grpSpPr>
+        <a:xfrm>
+          <a:off x="0" y="0"/>
+          <a:ext cx="0" cy="0"/>
+          <a:chOff x="0" y="0"/>
+          <a:chExt cx="0" cy="0"/>
+        </a:xfrm>
+      </p:grpSpPr>
+      <p:sp>
+        <p:nvSpPr>
+          <p:cNvPr id="4" name="Title 1"/>
+          <p:cNvSpPr txBox="1">
+            <a:spLocks/>
+          </p:cNvSpPr>
+          <p:nvPr/>
+        </p:nvSpPr>
+        <p:spPr>
+          <a:xfrm>
+            <a:off x="1524000" y="61314"/>
+            <a:ext cx="9144000" cy="956603"/>
+          </a:xfrm>
+          <a:prstGeom prst="rect">
+            <a:avLst/>
+          </a:prstGeom>
+        </p:spPr>
+        <p:txBody>
+          <a:bodyPr vert="horz" lIns="91440" tIns="45720" rIns="91440" bIns="45720" rtlCol="0" anchor="ctr">
+            <a:normAutofit/>
+          </a:bodyPr>
+          <a:lstStyle>
+            <a:lvl1pPr algn="l" defTabSz="914400" rtl="0" eaLnBrk="1" latinLnBrk="0" hangingPunct="1">
+              <a:lnSpc>
+                <a:spcPct val="90000"/>
+              </a:lnSpc>
+              <a:spcBef>
+                <a:spcPct val="0"/>
+              </a:spcBef>
+              <a:buNone/>
+              <a:defRPr sz="4400" kern="1200">
+                <a:solidFill>
+                  <a:schemeClr val="tx1"/>
+                </a:solidFill>
+                <a:latin typeface="+mj-lt"/>
+                <a:ea typeface="+mj-ea"/>
+                <a:cs typeface="+mj-cs"/>
+              </a:defRPr>
+            </a:lvl1pPr>
+          </a:lstStyle>
+          <a:p>
+            <a:pPr algn="ctr"/>
+            <a:r>
+              <a:rPr lang="en-US" dirty="0" smtClean="0"/>
+              <a:t>NHANES: Demographics</a:t>
+            </a:r>
+            <a:endParaRPr lang="en-US" dirty="0"/>
+          </a:p>
+        </p:txBody>
+      </p:sp>
+      <p:sp>
+        <p:nvSpPr>
+          <p:cNvPr id="5" name="TextBox 4"/>
+          <p:cNvSpPr txBox="1"/>
+          <p:nvPr/>
+        </p:nvSpPr>
+        <p:spPr>
+          <a:xfrm>
+            <a:off x="4762494" y="1017917"/>
+            <a:ext cx="2667012" cy="369332"/>
+          </a:xfrm>
+          <a:prstGeom prst="rect">
+            <a:avLst/>
+          </a:prstGeom>
+          <a:noFill/>
+        </p:spPr>
+        <p:txBody>
+          <a:bodyPr wrap="none" rtlCol="0">
+            <a:spAutoFit/>
+          </a:bodyPr>
+          <a:lstStyle/>
+          <a:p>
+            <a:r>
+              <a:rPr lang="en-US" dirty="0" smtClean="0"/>
+              <a:t>Age histogram for all years</a:t>
+            </a:r>
+            <a:endParaRPr lang="en-US" dirty="0"/>
+          </a:p>
+        </p:txBody>
+      </p:sp>
+      <p:pic>
+        <p:nvPicPr>
+          <p:cNvPr id="6" name="Picture 5"/>
+          <p:cNvPicPr>
+            <a:picLocks noChangeAspect="1"/>
+          </p:cNvPicPr>
+          <p:nvPr/>
+        </p:nvPicPr>
+        <p:blipFill>
+          <a:blip r:embed="rId2"/>
+          <a:stretch>
+            <a:fillRect/>
+          </a:stretch>
+        </p:blipFill>
+        <p:spPr>
+          <a:xfrm>
+            <a:off x="2378015" y="1401793"/>
+            <a:ext cx="7274943" cy="5456207"/>
+          </a:xfrm>
+          <a:prstGeom prst="rect">
+            <a:avLst/>
+          </a:prstGeom>
+        </p:spPr>
+      </p:pic>
+    </p:spTree>
+    <p:extLst>
+      <p:ext uri="{BB962C8B-B14F-4D97-AF65-F5344CB8AC3E}">
+        <p14:creationId xmlns:p14="http://schemas.microsoft.com/office/powerpoint/2010/main" val="1821016002"/>
+      </p:ext>
+    </p:extLst>
+  </p:cSld>
+  <p:clrMapOvr>
+    <a:masterClrMapping/>
+  </p:clrMapOvr>
+  <p:timing>
+    <p:tnLst>
+      <p:par>
+        <p:cTn id="1" dur="indefinite" restart="never" nodeType="tmRoot"/>
+      </p:par>
+    </p:tnLst>
+  </p:timing>
+</p:sld>
+</file>
+
+<file path=ppt/slides/slide6.xml><?xml version="1.0" encoding="utf-8"?>
+<p:sld xmlns:a="http://schemas.openxmlformats.org/drawingml/2006/main" xmlns:r="http://schemas.openxmlformats.org/officeDocument/2006/relationships" xmlns:p="http://schemas.openxmlformats.org/presentationml/2006/main">
+  <p:cSld>
+    <p:spTree>
+      <p:nvGrpSpPr>
+        <p:cNvPr id="1" name=""/>
+        <p:cNvGrpSpPr/>
+        <p:nvPr/>
+      </p:nvGrpSpPr>
+      <p:grpSpPr>
+        <a:xfrm>
+          <a:off x="0" y="0"/>
+          <a:ext cx="0" cy="0"/>
+          <a:chOff x="0" y="0"/>
+          <a:chExt cx="0" cy="0"/>
+        </a:xfrm>
+      </p:grpSpPr>
+      <p:sp>
+        <p:nvSpPr>
+          <p:cNvPr id="2" name="Title 1"/>
+          <p:cNvSpPr>
+            <a:spLocks noGrp="1"/>
+          </p:cNvSpPr>
+          <p:nvPr>
+            <p:ph type="title"/>
+          </p:nvPr>
+        </p:nvSpPr>
+        <p:spPr/>
+        <p:txBody>
+          <a:bodyPr/>
+          <a:lstStyle/>
+          <a:p>
+            <a:endParaRPr lang="en-US"/>
+          </a:p>
+        </p:txBody>
+      </p:sp>
+      <p:sp>
+        <p:nvSpPr>
+          <p:cNvPr id="3" name="Content Placeholder 2"/>
+          <p:cNvSpPr>
+            <a:spLocks noGrp="1"/>
+          </p:cNvSpPr>
+          <p:nvPr>
+            <p:ph idx="1"/>
+          </p:nvPr>
+        </p:nvSpPr>
+        <p:spPr/>
+        <p:txBody>
+          <a:bodyPr/>
+          <a:lstStyle/>
+          <a:p>
+            <a:endParaRPr lang="en-US"/>
+          </a:p>
+        </p:txBody>
+      </p:sp>
+      <p:pic>
+        <p:nvPicPr>
+          <p:cNvPr id="4" name="Picture 3"/>
+          <p:cNvPicPr>
+            <a:picLocks noChangeAspect="1"/>
+          </p:cNvPicPr>
+          <p:nvPr/>
+        </p:nvPicPr>
+        <p:blipFill rotWithShape="1">
+          <a:blip r:embed="rId2"/>
+          <a:srcRect l="38427" t="39623" r="37233" b="39245"/>
+          <a:stretch/>
+        </p:blipFill>
+        <p:spPr>
+          <a:xfrm>
+            <a:off x="3925019" y="2355011"/>
+            <a:ext cx="4031412" cy="2625105"/>
+          </a:xfrm>
+          <a:prstGeom prst="rect">
+            <a:avLst/>
+          </a:prstGeom>
+        </p:spPr>
+      </p:pic>
+      <p:sp>
+        <p:nvSpPr>
+          <p:cNvPr id="5" name="Title 1"/>
+          <p:cNvSpPr txBox="1">
+            <a:spLocks/>
+          </p:cNvSpPr>
+          <p:nvPr/>
+        </p:nvSpPr>
+        <p:spPr>
+          <a:xfrm>
+            <a:off x="1650521" y="365125"/>
+            <a:ext cx="9144000" cy="956603"/>
+          </a:xfrm>
+          <a:prstGeom prst="rect">
+            <a:avLst/>
+          </a:prstGeom>
+        </p:spPr>
+        <p:txBody>
+          <a:bodyPr vert="horz" lIns="91440" tIns="45720" rIns="91440" bIns="45720" rtlCol="0" anchor="b">
+            <a:normAutofit fontScale="62500" lnSpcReduction="20000"/>
+          </a:bodyPr>
+          <a:lstStyle>
+            <a:lvl1pPr algn="ctr" defTabSz="914400" rtl="0" eaLnBrk="1" latinLnBrk="0" hangingPunct="1">
+              <a:lnSpc>
+                <a:spcPct val="90000"/>
+              </a:lnSpc>
+              <a:spcBef>
+                <a:spcPct val="0"/>
+              </a:spcBef>
+              <a:buNone/>
+              <a:defRPr sz="6000" kern="1200">
+                <a:solidFill>
+                  <a:schemeClr val="tx1"/>
+                </a:solidFill>
+                <a:latin typeface="+mj-lt"/>
+                <a:ea typeface="+mj-ea"/>
+                <a:cs typeface="+mj-cs"/>
+              </a:defRPr>
+            </a:lvl1pPr>
+          </a:lstStyle>
+          <a:p>
+            <a:r>
+              <a:rPr lang="en-US" dirty="0" smtClean="0"/>
+              <a:t>NHANES: Demographics</a:t>
+            </a:r>
+          </a:p>
+          <a:p>
+            <a:r>
+              <a:rPr lang="en-US" dirty="0" smtClean="0"/>
+              <a:t>All years</a:t>
+            </a:r>
+            <a:endParaRPr lang="en-US" dirty="0"/>
+          </a:p>
+        </p:txBody>
+      </p:sp>
+    </p:spTree>
+    <p:extLst>
+      <p:ext uri="{BB962C8B-B14F-4D97-AF65-F5344CB8AC3E}">
+        <p14:creationId xmlns:p14="http://schemas.microsoft.com/office/powerpoint/2010/main" val="3567102366"/>
+      </p:ext>
+    </p:extLst>
+  </p:cSld>
+  <p:clrMapOvr>
+    <a:masterClrMapping/>
+  </p:clrMapOvr>
+  <p:timing>
+    <p:tnLst>
+      <p:par>
+        <p:cTn id="1" dur="indefinite" restart="never" nodeType="tmRoot"/>
+      </p:par>
+    </p:tnLst>
+  </p:timing>
+</p:sld>
+</file>
+
+<file path=ppt/slides/slide7.xml><?xml version="1.0" encoding="utf-8"?>
+<p:sld xmlns:a="http://schemas.openxmlformats.org/drawingml/2006/main" xmlns:r="http://schemas.openxmlformats.org/officeDocument/2006/relationships" xmlns:p="http://schemas.openxmlformats.org/presentationml/2006/main">
+  <p:cSld>
+    <p:spTree>
+      <p:nvGrpSpPr>
+        <p:cNvPr id="1" name=""/>
+        <p:cNvGrpSpPr/>
+        <p:nvPr/>
+      </p:nvGrpSpPr>
+      <p:grpSpPr>
+        <a:xfrm>
+          <a:off x="0" y="0"/>
+          <a:ext cx="0" cy="0"/>
+          <a:chOff x="0" y="0"/>
+          <a:chExt cx="0" cy="0"/>
+        </a:xfrm>
+      </p:grpSpPr>
+      <p:sp>
+        <p:nvSpPr>
+          <p:cNvPr id="6" name="Title 1"/>
+          <p:cNvSpPr txBox="1">
+            <a:spLocks/>
+          </p:cNvSpPr>
+          <p:nvPr/>
+        </p:nvSpPr>
+        <p:spPr>
+          <a:xfrm>
+            <a:off x="848853" y="0"/>
+            <a:ext cx="9144000" cy="956603"/>
+          </a:xfrm>
+          <a:prstGeom prst="rect">
+            <a:avLst/>
+          </a:prstGeom>
+        </p:spPr>
+        <p:txBody>
+          <a:bodyPr vert="horz" lIns="91440" tIns="45720" rIns="91440" bIns="45720" rtlCol="0" anchor="b">
+            <a:normAutofit fontScale="70000" lnSpcReduction="20000"/>
+          </a:bodyPr>
+          <a:lstStyle>
+            <a:lvl1pPr algn="ctr" defTabSz="914400" rtl="0" eaLnBrk="1" latinLnBrk="0" hangingPunct="1">
+              <a:lnSpc>
+                <a:spcPct val="90000"/>
+              </a:lnSpc>
+              <a:spcBef>
+                <a:spcPct val="0"/>
+              </a:spcBef>
+              <a:buNone/>
+              <a:defRPr sz="6000" kern="1200">
+                <a:solidFill>
+                  <a:schemeClr val="tx1"/>
+                </a:solidFill>
+                <a:latin typeface="+mj-lt"/>
+                <a:ea typeface="+mj-ea"/>
+                <a:cs typeface="+mj-cs"/>
+              </a:defRPr>
+            </a:lvl1pPr>
+          </a:lstStyle>
+          <a:p>
+            <a:r>
+              <a:rPr lang="en-US" dirty="0" smtClean="0"/>
+              <a:t>NHANES: </a:t>
+            </a:r>
+            <a:r>
+              <a:rPr lang="en-US" smtClean="0"/>
+              <a:t>Self-report hearing, all years</a:t>
+            </a:r>
+            <a:endParaRPr lang="en-US" dirty="0"/>
+          </a:p>
+        </p:txBody>
+      </p:sp>
+      <p:sp>
+        <p:nvSpPr>
+          <p:cNvPr id="3" name="TextBox 2"/>
+          <p:cNvSpPr txBox="1"/>
+          <p:nvPr/>
+        </p:nvSpPr>
+        <p:spPr>
+          <a:xfrm>
+            <a:off x="312615" y="1320800"/>
+            <a:ext cx="2851806" cy="2585323"/>
+          </a:xfrm>
+          <a:prstGeom prst="rect">
+            <a:avLst/>
+          </a:prstGeom>
+          <a:noFill/>
+        </p:spPr>
+        <p:txBody>
+          <a:bodyPr wrap="none" rtlCol="0">
+            <a:spAutoFit/>
+          </a:bodyPr>
+          <a:lstStyle/>
+          <a:p>
+            <a:r>
+              <a:rPr lang="en-US" dirty="0" smtClean="0"/>
+              <a:t>AUQ054</a:t>
+            </a:r>
+          </a:p>
+          <a:p>
+            <a:r>
+              <a:rPr lang="en-US" dirty="0" smtClean="0"/>
+              <a:t>1=Excellent</a:t>
+            </a:r>
+          </a:p>
+          <a:p>
+            <a:r>
+              <a:rPr lang="en-US" dirty="0" smtClean="0"/>
+              <a:t>2=Good</a:t>
+            </a:r>
+          </a:p>
+          <a:p>
+            <a:r>
+              <a:rPr lang="en-US" dirty="0" smtClean="0"/>
+              <a:t>3=A little trouble</a:t>
+            </a:r>
+          </a:p>
+          <a:p>
+            <a:r>
+              <a:rPr lang="en-US" dirty="0" smtClean="0"/>
+              <a:t>4=Moderate hearing trouble</a:t>
+            </a:r>
+          </a:p>
+          <a:p>
+            <a:r>
+              <a:rPr lang="en-US" dirty="0" smtClean="0"/>
+              <a:t>5=A lot of trouble</a:t>
+            </a:r>
+          </a:p>
+          <a:p>
+            <a:r>
+              <a:rPr lang="en-US" dirty="0" smtClean="0"/>
+              <a:t>6=Deaf</a:t>
+            </a:r>
+          </a:p>
+          <a:p>
+            <a:r>
+              <a:rPr lang="en-US" dirty="0" smtClean="0"/>
+              <a:t>77=refused</a:t>
+            </a:r>
+          </a:p>
+          <a:p>
+            <a:r>
+              <a:rPr lang="en-US" dirty="0" smtClean="0"/>
+              <a:t>99=Don’t know</a:t>
+            </a:r>
+            <a:endParaRPr lang="en-US" dirty="0"/>
+          </a:p>
+        </p:txBody>
+      </p:sp>
+      <p:sp>
+        <p:nvSpPr>
+          <p:cNvPr id="7" name="TextBox 6"/>
+          <p:cNvSpPr txBox="1"/>
+          <p:nvPr/>
+        </p:nvSpPr>
+        <p:spPr>
+          <a:xfrm>
+            <a:off x="3164421" y="1320800"/>
+            <a:ext cx="1298164" cy="923330"/>
+          </a:xfrm>
+          <a:prstGeom prst="rect">
+            <a:avLst/>
+          </a:prstGeom>
+          <a:noFill/>
+        </p:spPr>
+        <p:txBody>
+          <a:bodyPr wrap="square" rtlCol="0">
+            <a:spAutoFit/>
+          </a:bodyPr>
+          <a:lstStyle/>
+          <a:p>
+            <a:r>
+              <a:rPr lang="en-US" dirty="0" smtClean="0"/>
+              <a:t>Gender</a:t>
+            </a:r>
+          </a:p>
+          <a:p>
+            <a:r>
+              <a:rPr lang="en-US" dirty="0" smtClean="0"/>
+              <a:t>1=male</a:t>
+            </a:r>
+          </a:p>
+          <a:p>
+            <a:r>
+              <a:rPr lang="en-US" dirty="0" smtClean="0"/>
+              <a:t>2=female</a:t>
+            </a:r>
+            <a:endParaRPr lang="en-US" dirty="0"/>
+          </a:p>
+        </p:txBody>
+      </p:sp>
+      <p:sp>
+        <p:nvSpPr>
+          <p:cNvPr id="8" name="TextBox 7"/>
+          <p:cNvSpPr txBox="1"/>
+          <p:nvPr/>
+        </p:nvSpPr>
+        <p:spPr>
+          <a:xfrm>
+            <a:off x="4462585" y="1320800"/>
+            <a:ext cx="819455" cy="923330"/>
+          </a:xfrm>
+          <a:prstGeom prst="rect">
+            <a:avLst/>
+          </a:prstGeom>
+          <a:noFill/>
+        </p:spPr>
+        <p:txBody>
+          <a:bodyPr wrap="none" rtlCol="0">
+            <a:spAutoFit/>
+          </a:bodyPr>
+          <a:lstStyle/>
+          <a:p>
+            <a:r>
+              <a:rPr lang="en-US" dirty="0" smtClean="0"/>
+              <a:t>Age</a:t>
+            </a:r>
+          </a:p>
+          <a:p>
+            <a:r>
+              <a:rPr lang="en-US" dirty="0" smtClean="0"/>
+              <a:t>1= &lt;65</a:t>
+            </a:r>
+          </a:p>
+          <a:p>
+            <a:r>
+              <a:rPr lang="en-US" dirty="0" smtClean="0"/>
+              <a:t>2= 65+</a:t>
+            </a:r>
+            <a:endParaRPr lang="en-US" dirty="0"/>
+          </a:p>
+        </p:txBody>
+      </p:sp>
+      <p:pic>
+        <p:nvPicPr>
+          <p:cNvPr id="4" name="Picture 3"/>
+          <p:cNvPicPr>
+            <a:picLocks noChangeAspect="1"/>
+          </p:cNvPicPr>
+          <p:nvPr/>
+        </p:nvPicPr>
+        <p:blipFill rotWithShape="1">
+          <a:blip r:embed="rId2"/>
+          <a:srcRect l="36824" t="-251" r="36289" b="-1"/>
+          <a:stretch/>
+        </p:blipFill>
+        <p:spPr>
+          <a:xfrm>
+            <a:off x="6354562" y="956603"/>
+            <a:ext cx="2082071" cy="5822492"/>
+          </a:xfrm>
+          <a:prstGeom prst="rect">
+            <a:avLst/>
+          </a:prstGeom>
+        </p:spPr>
+      </p:pic>
+    </p:spTree>
+    <p:extLst>
+      <p:ext uri="{BB962C8B-B14F-4D97-AF65-F5344CB8AC3E}">
+        <p14:creationId xmlns:p14="http://schemas.microsoft.com/office/powerpoint/2010/main" val="2840493290"/>
+      </p:ext>
+    </p:extLst>
+  </p:cSld>
+  <p:clrMapOvr>
+    <a:masterClrMapping/>
+  </p:clrMapOvr>
+  <p:timing>
+    <p:tnLst>
+      <p:par>
+        <p:cTn id="1" dur="indefinite" restart="never" nodeType="tmRoot"/>
+      </p:par>
+    </p:tnLst>
+  </p:timing>
+</p:sld>
+</file>
+
+<file path=ppt/slides/slide8.xml><?xml version="1.0" encoding="utf-8"?>
+<p:sld xmlns:a="http://schemas.openxmlformats.org/drawingml/2006/main" xmlns:r="http://schemas.openxmlformats.org/officeDocument/2006/relationships" xmlns:p="http://schemas.openxmlformats.org/presentationml/2006/main">
+  <p:cSld>
+    <p:spTree>
+      <p:nvGrpSpPr>
+        <p:cNvPr id="1" name=""/>
+        <p:cNvGrpSpPr/>
+        <p:nvPr/>
+      </p:nvGrpSpPr>
+      <p:grpSpPr>
+        <a:xfrm>
+          <a:off x="0" y="0"/>
+          <a:ext cx="0" cy="0"/>
+          <a:chOff x="0" y="0"/>
+          <a:chExt cx="0" cy="0"/>
+        </a:xfrm>
+      </p:grpSpPr>
+      <p:sp>
+        <p:nvSpPr>
+          <p:cNvPr id="2" name="Title 1"/>
+          <p:cNvSpPr>
+            <a:spLocks noGrp="1"/>
+          </p:cNvSpPr>
+          <p:nvPr>
+            <p:ph type="title"/>
+          </p:nvPr>
+        </p:nvSpPr>
+        <p:spPr>
+          <a:xfrm>
+            <a:off x="6863862" y="1022960"/>
+            <a:ext cx="4022969" cy="1325563"/>
+          </a:xfrm>
+        </p:spPr>
+        <p:txBody>
+          <a:bodyPr/>
+          <a:lstStyle/>
+          <a:p>
+            <a:r>
+              <a:rPr lang="en-US" dirty="0" smtClean="0"/>
+              <a:t>BEPTA &gt;65 years</a:t>
+            </a:r>
+            <a:endParaRPr lang="en-US" dirty="0"/>
+          </a:p>
+        </p:txBody>
+      </p:sp>
+      <p:pic>
+        <p:nvPicPr>
+          <p:cNvPr id="4" name="Picture 3"/>
+          <p:cNvPicPr>
+            <a:picLocks noChangeAspect="1"/>
+          </p:cNvPicPr>
+          <p:nvPr/>
+        </p:nvPicPr>
+        <p:blipFill>
+          <a:blip r:embed="rId2"/>
+          <a:stretch>
+            <a:fillRect/>
+          </a:stretch>
+        </p:blipFill>
+        <p:spPr>
+          <a:xfrm>
+            <a:off x="726831" y="2532184"/>
+            <a:ext cx="4392246" cy="3294185"/>
+          </a:xfrm>
+          <a:prstGeom prst="rect">
+            <a:avLst/>
+          </a:prstGeom>
+        </p:spPr>
+      </p:pic>
+      <p:pic>
+        <p:nvPicPr>
+          <p:cNvPr id="5" name="Picture 4"/>
+          <p:cNvPicPr>
+            <a:picLocks noChangeAspect="1"/>
+          </p:cNvPicPr>
+          <p:nvPr/>
+        </p:nvPicPr>
+        <p:blipFill>
+          <a:blip r:embed="rId3"/>
+          <a:stretch>
+            <a:fillRect/>
+          </a:stretch>
+        </p:blipFill>
+        <p:spPr>
+          <a:xfrm>
+            <a:off x="6518031" y="2532184"/>
+            <a:ext cx="4368800" cy="3276600"/>
+          </a:xfrm>
+          <a:prstGeom prst="rect">
+            <a:avLst/>
+          </a:prstGeom>
+        </p:spPr>
+      </p:pic>
+      <p:sp>
+        <p:nvSpPr>
+          <p:cNvPr id="6" name="TextBox 5"/>
+          <p:cNvSpPr txBox="1"/>
+          <p:nvPr/>
+        </p:nvSpPr>
+        <p:spPr>
+          <a:xfrm>
+            <a:off x="6947877" y="2164862"/>
+            <a:ext cx="889987" cy="369332"/>
+          </a:xfrm>
+          <a:prstGeom prst="rect">
+            <a:avLst/>
+          </a:prstGeom>
+          <a:noFill/>
+        </p:spPr>
+        <p:txBody>
+          <a:bodyPr wrap="none" rtlCol="0">
+            <a:spAutoFit/>
+          </a:bodyPr>
+          <a:lstStyle/>
+          <a:p>
+            <a:r>
+              <a:rPr lang="en-US" dirty="0" smtClean="0"/>
+              <a:t>n=2226</a:t>
+            </a:r>
+            <a:endParaRPr lang="en-US" dirty="0"/>
+          </a:p>
+        </p:txBody>
+      </p:sp>
+      <p:sp>
+        <p:nvSpPr>
+          <p:cNvPr id="7" name="TextBox 6"/>
+          <p:cNvSpPr txBox="1"/>
+          <p:nvPr/>
+        </p:nvSpPr>
+        <p:spPr>
+          <a:xfrm>
+            <a:off x="1121508" y="2246923"/>
+            <a:ext cx="1007007" cy="369332"/>
+          </a:xfrm>
+          <a:prstGeom prst="rect">
+            <a:avLst/>
+          </a:prstGeom>
+          <a:noFill/>
+        </p:spPr>
+        <p:txBody>
+          <a:bodyPr wrap="none" rtlCol="0">
+            <a:spAutoFit/>
+          </a:bodyPr>
+          <a:lstStyle/>
+          <a:p>
+            <a:r>
+              <a:rPr lang="en-US" dirty="0" smtClean="0"/>
+              <a:t>n=13497</a:t>
+            </a:r>
+            <a:endParaRPr lang="en-US" dirty="0"/>
+          </a:p>
+        </p:txBody>
+      </p:sp>
+      <p:sp>
+        <p:nvSpPr>
+          <p:cNvPr id="8" name="Title 1"/>
+          <p:cNvSpPr txBox="1">
+            <a:spLocks/>
+          </p:cNvSpPr>
+          <p:nvPr/>
+        </p:nvSpPr>
+        <p:spPr>
+          <a:xfrm>
+            <a:off x="1061925" y="1022959"/>
+            <a:ext cx="4022969" cy="1325563"/>
+          </a:xfrm>
+          <a:prstGeom prst="rect">
+            <a:avLst/>
+          </a:prstGeom>
+        </p:spPr>
+        <p:txBody>
+          <a:bodyPr vert="horz" lIns="91440" tIns="45720" rIns="91440" bIns="45720" rtlCol="0" anchor="ctr">
+            <a:normAutofit/>
+          </a:bodyPr>
+          <a:lstStyle>
+            <a:lvl1pPr algn="l" defTabSz="914400" rtl="0" eaLnBrk="1" latinLnBrk="0" hangingPunct="1">
+              <a:lnSpc>
+                <a:spcPct val="90000"/>
+              </a:lnSpc>
+              <a:spcBef>
+                <a:spcPct val="0"/>
+              </a:spcBef>
+              <a:buNone/>
+              <a:defRPr sz="4400" kern="1200">
+                <a:solidFill>
+                  <a:schemeClr val="tx1"/>
+                </a:solidFill>
+                <a:latin typeface="+mj-lt"/>
+                <a:ea typeface="+mj-ea"/>
+                <a:cs typeface="+mj-cs"/>
+              </a:defRPr>
+            </a:lvl1pPr>
+          </a:lstStyle>
+          <a:p>
+            <a:r>
+              <a:rPr lang="en-US" dirty="0" smtClean="0"/>
+              <a:t>BEPTA all ages</a:t>
+            </a:r>
+            <a:endParaRPr lang="en-US" dirty="0"/>
+          </a:p>
+        </p:txBody>
+      </p:sp>
+    </p:spTree>
+    <p:extLst>
+      <p:ext uri="{BB962C8B-B14F-4D97-AF65-F5344CB8AC3E}">
+        <p14:creationId xmlns:p14="http://schemas.microsoft.com/office/powerpoint/2010/main" val="1135118059"/>
+      </p:ext>
+    </p:extLst>
+  </p:cSld>
+  <p:clrMapOvr>
+    <a:masterClrMapping/>
+  </p:clrMapOvr>
+  <p:timing>
+    <p:tnLst>
+      <p:par>
+        <p:cTn id="1" dur="indefinite" restart="never" nodeType="tmRoot"/>
+      </p:par>
+    </p:tnLst>
+  </p:timing>
+</p:sld>
+</file>
+
+<file path=ppt/slides/slide9.xml><?xml version="1.0" encoding="utf-8"?>
+<p:sld xmlns:a="http://schemas.openxmlformats.org/drawingml/2006/main" xmlns:r="http://schemas.openxmlformats.org/officeDocument/2006/relationships" xmlns:p="http://schemas.openxmlformats.org/presentationml/2006/main">
+  <p:cSld>
+    <p:spTree>
+      <p:nvGrpSpPr>
+        <p:cNvPr id="1" name=""/>
+        <p:cNvGrpSpPr/>
+        <p:nvPr/>
+      </p:nvGrpSpPr>
+      <p:grpSpPr>
+        <a:xfrm>
+          <a:off x="0" y="0"/>
+          <a:ext cx="0" cy="0"/>
+          <a:chOff x="0" y="0"/>
+          <a:chExt cx="0" cy="0"/>
+        </a:xfrm>
+      </p:grpSpPr>
+      <p:sp>
+        <p:nvSpPr>
+          <p:cNvPr id="2" name="Title 1"/>
+          <p:cNvSpPr>
+            <a:spLocks noGrp="1"/>
+          </p:cNvSpPr>
+          <p:nvPr>
+            <p:ph type="title"/>
+          </p:nvPr>
+        </p:nvSpPr>
+        <p:spPr/>
+        <p:txBody>
+          <a:bodyPr/>
+          <a:lstStyle/>
+          <a:p>
+            <a:endParaRPr lang="en-US"/>
+          </a:p>
+        </p:txBody>
+      </p:sp>
+      <p:sp>
+        <p:nvSpPr>
+          <p:cNvPr id="3" name="Content Placeholder 2"/>
+          <p:cNvSpPr>
+            <a:spLocks noGrp="1"/>
+          </p:cNvSpPr>
+          <p:nvPr>
+            <p:ph idx="1"/>
+          </p:nvPr>
+        </p:nvSpPr>
+        <p:spPr/>
+        <p:txBody>
+          <a:bodyPr/>
+          <a:lstStyle/>
+          <a:p>
+            <a:endParaRPr lang="en-US" dirty="0"/>
+          </a:p>
+        </p:txBody>
+      </p:sp>
+      <p:pic>
+        <p:nvPicPr>
+          <p:cNvPr id="4" name="Picture 3"/>
+          <p:cNvPicPr>
+            <a:picLocks noChangeAspect="1"/>
+          </p:cNvPicPr>
+          <p:nvPr/>
+        </p:nvPicPr>
+        <p:blipFill>
+          <a:blip r:embed="rId2"/>
+          <a:stretch>
+            <a:fillRect/>
+          </a:stretch>
+        </p:blipFill>
+        <p:spPr>
+          <a:xfrm>
+            <a:off x="2813539" y="2074984"/>
+            <a:ext cx="6064738" cy="4548554"/>
+          </a:xfrm>
+          <a:prstGeom prst="rect">
+            <a:avLst/>
+          </a:prstGeom>
+        </p:spPr>
+      </p:pic>
+    </p:spTree>
+    <p:extLst>
+      <p:ext uri="{BB962C8B-B14F-4D97-AF65-F5344CB8AC3E}">
+        <p14:creationId xmlns:p14="http://schemas.microsoft.com/office/powerpoint/2010/main" val="1755133948"/>
+      </p:ext>
+    </p:extLst>
+  </p:cSld>
+  <p:clrMapOvr>
+    <a:masterClrMapping/>
+  </p:clrMapOvr>
+  <p:timing>
+    <p:tnLst>
+      <p:par>
+        <p:cTn id="1" dur="indefinite" restart="never" nodeType="tmRoot"/>
+      </p:par>
+    </p:tnLst>
+  </p:timing>
 </p:sld>
 </file>
 
